--- a/JonathanHansen-Assignment2.pptx
+++ b/JonathanHansen-Assignment2.pptx
@@ -10,12 +10,13 @@
     <p:sldId id="259" r:id="rId4"/>
     <p:sldId id="257" r:id="rId5"/>
     <p:sldId id="258" r:id="rId6"/>
-    <p:sldId id="261" r:id="rId7"/>
-    <p:sldId id="262" r:id="rId8"/>
-    <p:sldId id="263" r:id="rId9"/>
-    <p:sldId id="264" r:id="rId10"/>
-    <p:sldId id="265" r:id="rId11"/>
-    <p:sldId id="266" r:id="rId12"/>
+    <p:sldId id="267" r:id="rId7"/>
+    <p:sldId id="261" r:id="rId8"/>
+    <p:sldId id="262" r:id="rId9"/>
+    <p:sldId id="263" r:id="rId10"/>
+    <p:sldId id="264" r:id="rId11"/>
+    <p:sldId id="265" r:id="rId12"/>
+    <p:sldId id="266" r:id="rId13"/>
   </p:sldIdLst>
   <p:sldSz cx="12192000" cy="6858000"/>
   <p:notesSz cx="6858000" cy="9144000"/>
@@ -114,6 +115,11 @@
       </a:defRPr>
     </a:lvl9pPr>
   </p:defaultTextStyle>
+  <p:extLst>
+    <p:ext uri="{EFAFB233-063F-42B5-8137-9DF3F51BA10A}">
+      <p15:sldGuideLst xmlns:p15="http://schemas.microsoft.com/office/powerpoint/2012/main"/>
+    </p:ext>
+  </p:extLst>
 </p:presentation>
 </file>
 
@@ -346,7 +352,7 @@
           <a:p>
             <a:fld id="{ED420F5D-DCA5-4B33-9749-31F90B75000B}" type="datetimeFigureOut">
               <a:rPr lang="en-US" smtClean="0"/>
-              <a:t>10/23/2020</a:t>
+              <a:t>10/24/2020</a:t>
             </a:fld>
             <a:endParaRPr lang="en-US"/>
           </a:p>
@@ -680,7 +686,7 @@
           <a:p>
             <a:fld id="{ED420F5D-DCA5-4B33-9749-31F90B75000B}" type="datetimeFigureOut">
               <a:rPr lang="en-US" smtClean="0"/>
-              <a:t>10/23/2020</a:t>
+              <a:t>10/24/2020</a:t>
             </a:fld>
             <a:endParaRPr lang="en-US"/>
           </a:p>
@@ -958,7 +964,7 @@
           <a:p>
             <a:fld id="{ED420F5D-DCA5-4B33-9749-31F90B75000B}" type="datetimeFigureOut">
               <a:rPr lang="en-US" smtClean="0"/>
-              <a:t>10/23/2020</a:t>
+              <a:t>10/24/2020</a:t>
             </a:fld>
             <a:endParaRPr lang="en-US"/>
           </a:p>
@@ -1526,7 +1532,7 @@
           <a:p>
             <a:fld id="{ED420F5D-DCA5-4B33-9749-31F90B75000B}" type="datetimeFigureOut">
               <a:rPr lang="en-US" smtClean="0"/>
-              <a:t>10/23/2020</a:t>
+              <a:t>10/24/2020</a:t>
             </a:fld>
             <a:endParaRPr lang="en-US"/>
           </a:p>
@@ -1804,7 +1810,7 @@
           <a:p>
             <a:fld id="{ED420F5D-DCA5-4B33-9749-31F90B75000B}" type="datetimeFigureOut">
               <a:rPr lang="en-US" smtClean="0"/>
-              <a:t>10/23/2020</a:t>
+              <a:t>10/24/2020</a:t>
             </a:fld>
             <a:endParaRPr lang="en-US"/>
           </a:p>
@@ -2366,7 +2372,7 @@
           <a:p>
             <a:fld id="{ED420F5D-DCA5-4B33-9749-31F90B75000B}" type="datetimeFigureOut">
               <a:rPr lang="en-US" smtClean="0"/>
-              <a:t>10/23/2020</a:t>
+              <a:t>10/24/2020</a:t>
             </a:fld>
             <a:endParaRPr lang="en-US"/>
           </a:p>
@@ -2693,7 +2699,7 @@
           <a:p>
             <a:fld id="{ED420F5D-DCA5-4B33-9749-31F90B75000B}" type="datetimeFigureOut">
               <a:rPr lang="en-US" smtClean="0"/>
-              <a:t>10/23/2020</a:t>
+              <a:t>10/24/2020</a:t>
             </a:fld>
             <a:endParaRPr lang="en-US"/>
           </a:p>
@@ -2870,7 +2876,7 @@
           <a:p>
             <a:fld id="{ED420F5D-DCA5-4B33-9749-31F90B75000B}" type="datetimeFigureOut">
               <a:rPr lang="en-US" smtClean="0"/>
-              <a:t>10/23/2020</a:t>
+              <a:t>10/24/2020</a:t>
             </a:fld>
             <a:endParaRPr lang="en-US"/>
           </a:p>
@@ -3108,7 +3114,7 @@
           <a:p>
             <a:fld id="{ED420F5D-DCA5-4B33-9749-31F90B75000B}" type="datetimeFigureOut">
               <a:rPr lang="en-US" smtClean="0"/>
-              <a:t>10/23/2020</a:t>
+              <a:t>10/24/2020</a:t>
             </a:fld>
             <a:endParaRPr lang="en-US"/>
           </a:p>
@@ -3308,7 +3314,7 @@
           <a:p>
             <a:fld id="{ED420F5D-DCA5-4B33-9749-31F90B75000B}" type="datetimeFigureOut">
               <a:rPr lang="en-US" smtClean="0"/>
-              <a:t>10/23/2020</a:t>
+              <a:t>10/24/2020</a:t>
             </a:fld>
             <a:endParaRPr lang="en-US"/>
           </a:p>
@@ -3584,7 +3590,7 @@
           <a:p>
             <a:fld id="{ED420F5D-DCA5-4B33-9749-31F90B75000B}" type="datetimeFigureOut">
               <a:rPr lang="en-US" smtClean="0"/>
-              <a:t>10/23/2020</a:t>
+              <a:t>10/24/2020</a:t>
             </a:fld>
             <a:endParaRPr lang="en-US"/>
           </a:p>
@@ -3850,7 +3856,7 @@
           <a:p>
             <a:fld id="{ED420F5D-DCA5-4B33-9749-31F90B75000B}" type="datetimeFigureOut">
               <a:rPr lang="en-US" smtClean="0"/>
-              <a:t>10/23/2020</a:t>
+              <a:t>10/24/2020</a:t>
             </a:fld>
             <a:endParaRPr lang="en-US"/>
           </a:p>
@@ -4224,7 +4230,7 @@
           <a:p>
             <a:fld id="{ED420F5D-DCA5-4B33-9749-31F90B75000B}" type="datetimeFigureOut">
               <a:rPr lang="en-US" smtClean="0"/>
-              <a:t>10/23/2020</a:t>
+              <a:t>10/24/2020</a:t>
             </a:fld>
             <a:endParaRPr lang="en-US"/>
           </a:p>
@@ -4372,7 +4378,7 @@
           <a:p>
             <a:fld id="{ED420F5D-DCA5-4B33-9749-31F90B75000B}" type="datetimeFigureOut">
               <a:rPr lang="en-US" smtClean="0"/>
-              <a:t>10/23/2020</a:t>
+              <a:t>10/24/2020</a:t>
             </a:fld>
             <a:endParaRPr lang="en-US"/>
           </a:p>
@@ -4497,7 +4503,7 @@
           <a:p>
             <a:fld id="{ED420F5D-DCA5-4B33-9749-31F90B75000B}" type="datetimeFigureOut">
               <a:rPr lang="en-US" smtClean="0"/>
-              <a:t>10/23/2020</a:t>
+              <a:t>10/24/2020</a:t>
             </a:fld>
             <a:endParaRPr lang="en-US"/>
           </a:p>
@@ -4782,7 +4788,7 @@
           <a:p>
             <a:fld id="{ED420F5D-DCA5-4B33-9749-31F90B75000B}" type="datetimeFigureOut">
               <a:rPr lang="en-US" smtClean="0"/>
-              <a:t>10/23/2020</a:t>
+              <a:t>10/24/2020</a:t>
             </a:fld>
             <a:endParaRPr lang="en-US"/>
           </a:p>
@@ -5106,7 +5112,7 @@
           <a:p>
             <a:fld id="{ED420F5D-DCA5-4B33-9749-31F90B75000B}" type="datetimeFigureOut">
               <a:rPr lang="en-US" smtClean="0"/>
-              <a:t>10/23/2020</a:t>
+              <a:t>10/24/2020</a:t>
             </a:fld>
             <a:endParaRPr lang="en-US"/>
           </a:p>
@@ -5320,7 +5326,7 @@
           <a:p>
             <a:fld id="{ED420F5D-DCA5-4B33-9749-31F90B75000B}" type="datetimeFigureOut">
               <a:rPr lang="en-US" smtClean="0"/>
-              <a:t>10/23/2020</a:t>
+              <a:t>10/24/2020</a:t>
             </a:fld>
             <a:endParaRPr lang="en-US"/>
           </a:p>
@@ -5931,6 +5937,150 @@
           <p:cNvPr id="2" name="Title 1">
             <a:extLst>
               <a:ext uri="{FF2B5EF4-FFF2-40B4-BE49-F238E27FC236}">
+                <a16:creationId xmlns:a16="http://schemas.microsoft.com/office/drawing/2014/main" id="{B890F968-EEE2-4B0F-8172-0E32970AA49B}"/>
+              </a:ext>
+            </a:extLst>
+          </p:cNvPr>
+          <p:cNvSpPr>
+            <a:spLocks noGrp="1"/>
+          </p:cNvSpPr>
+          <p:nvPr>
+            <p:ph type="title"/>
+          </p:nvPr>
+        </p:nvSpPr>
+        <p:spPr>
+          <a:xfrm>
+            <a:off x="0" y="0"/>
+            <a:ext cx="6164653" cy="1371600"/>
+          </a:xfrm>
+        </p:spPr>
+        <p:txBody>
+          <a:bodyPr/>
+          <a:lstStyle/>
+          <a:p>
+            <a:r>
+              <a:rPr lang="en-US" dirty="0"/>
+              <a:t>Random Functions</a:t>
+            </a:r>
+          </a:p>
+        </p:txBody>
+      </p:sp>
+      <p:pic>
+        <p:nvPicPr>
+          <p:cNvPr id="6" name="Picture Placeholder 5">
+            <a:extLst>
+              <a:ext uri="{FF2B5EF4-FFF2-40B4-BE49-F238E27FC236}">
+                <a16:creationId xmlns:a16="http://schemas.microsoft.com/office/drawing/2014/main" id="{6824471D-D93A-4E49-A1D1-82D64B3EC55B}"/>
+              </a:ext>
+            </a:extLst>
+          </p:cNvPr>
+          <p:cNvPicPr>
+            <a:picLocks noGrp="1" noChangeAspect="1"/>
+          </p:cNvPicPr>
+          <p:nvPr>
+            <p:ph type="pic" idx="1"/>
+          </p:nvPr>
+        </p:nvPicPr>
+        <p:blipFill rotWithShape="1">
+          <a:blip r:embed="rId2">
+            <a:extLst>
+              <a:ext uri="{28A0092B-C50C-407E-A947-70E740481C1C}">
+                <a14:useLocalDpi xmlns:a14="http://schemas.microsoft.com/office/drawing/2010/main" val="0"/>
+              </a:ext>
+            </a:extLst>
+          </a:blip>
+          <a:srcRect l="548" r="548"/>
+          <a:stretch/>
+        </p:blipFill>
+        <p:spPr>
+          <a:xfrm>
+            <a:off x="5527922" y="971550"/>
+            <a:ext cx="6451260" cy="3718112"/>
+          </a:xfrm>
+        </p:spPr>
+      </p:pic>
+      <p:sp>
+        <p:nvSpPr>
+          <p:cNvPr id="4" name="Text Placeholder 3">
+            <a:extLst>
+              <a:ext uri="{FF2B5EF4-FFF2-40B4-BE49-F238E27FC236}">
+                <a16:creationId xmlns:a16="http://schemas.microsoft.com/office/drawing/2014/main" id="{A1F430F0-25C0-4EEF-BFF0-CDC7E7358EB2}"/>
+              </a:ext>
+            </a:extLst>
+          </p:cNvPr>
+          <p:cNvSpPr>
+            <a:spLocks noGrp="1"/>
+          </p:cNvSpPr>
+          <p:nvPr>
+            <p:ph type="body" sz="half" idx="2"/>
+          </p:nvPr>
+        </p:nvSpPr>
+        <p:spPr>
+          <a:xfrm>
+            <a:off x="0" y="1391770"/>
+            <a:ext cx="5410200" cy="1828800"/>
+          </a:xfrm>
+        </p:spPr>
+        <p:txBody>
+          <a:bodyPr/>
+          <a:lstStyle/>
+          <a:p>
+            <a:r>
+              <a:rPr lang="en-US" dirty="0"/>
+              <a:t>The </a:t>
+            </a:r>
+            <a:r>
+              <a:rPr lang="en-US" dirty="0" err="1"/>
+              <a:t>randnum</a:t>
+            </a:r>
+            <a:r>
+              <a:rPr lang="en-US" dirty="0"/>
+              <a:t> function generates a number between 1 and max. (Used in the flail action.)</a:t>
+            </a:r>
+          </a:p>
+          <a:p>
+            <a:r>
+              <a:rPr lang="en-US" dirty="0"/>
+              <a:t>The randomize function randomizes the positions of the robots.</a:t>
+            </a:r>
+          </a:p>
+        </p:txBody>
+      </p:sp>
+    </p:spTree>
+    <p:extLst>
+      <p:ext uri="{BB962C8B-B14F-4D97-AF65-F5344CB8AC3E}">
+        <p14:creationId xmlns:p14="http://schemas.microsoft.com/office/powerpoint/2010/main" val="262428463"/>
+      </p:ext>
+    </p:extLst>
+  </p:cSld>
+  <p:clrMapOvr>
+    <a:masterClrMapping/>
+  </p:clrMapOvr>
+</p:sld>
+</file>
+
+<file path=ppt/slides/slide11.xml><?xml version="1.0" encoding="utf-8"?>
+<p:sld xmlns:a="http://schemas.openxmlformats.org/drawingml/2006/main" xmlns:r="http://schemas.openxmlformats.org/officeDocument/2006/relationships" xmlns:p="http://schemas.openxmlformats.org/presentationml/2006/main">
+  <p:cSld>
+    <p:spTree>
+      <p:nvGrpSpPr>
+        <p:cNvPr id="1" name=""/>
+        <p:cNvGrpSpPr/>
+        <p:nvPr/>
+      </p:nvGrpSpPr>
+      <p:grpSpPr>
+        <a:xfrm>
+          <a:off x="0" y="0"/>
+          <a:ext cx="0" cy="0"/>
+          <a:chOff x="0" y="0"/>
+          <a:chExt cx="0" cy="0"/>
+        </a:xfrm>
+      </p:grpSpPr>
+      <p:sp>
+        <p:nvSpPr>
+          <p:cNvPr id="2" name="Title 1">
+            <a:extLst>
+              <a:ext uri="{FF2B5EF4-FFF2-40B4-BE49-F238E27FC236}">
                 <a16:creationId xmlns:a16="http://schemas.microsoft.com/office/drawing/2014/main" id="{24A6B90F-6BB1-4723-8F49-5D15817E3C90}"/>
               </a:ext>
             </a:extLst>
@@ -5942,7 +6092,12 @@
             <p:ph type="title"/>
           </p:nvPr>
         </p:nvSpPr>
-        <p:spPr/>
+        <p:spPr>
+          <a:xfrm>
+            <a:off x="0" y="0"/>
+            <a:ext cx="6164653" cy="1371600"/>
+          </a:xfrm>
+        </p:spPr>
         <p:txBody>
           <a:bodyPr/>
           <a:lstStyle/>
@@ -5972,14 +6127,20 @@
           </p:nvPr>
         </p:nvPicPr>
         <p:blipFill rotWithShape="1">
-          <a:blip r:embed="rId2"/>
-          <a:srcRect l="104" r="54"/>
+          <a:blip r:embed="rId2">
+            <a:extLst>
+              <a:ext uri="{28A0092B-C50C-407E-A947-70E740481C1C}">
+                <a14:useLocalDpi xmlns:a14="http://schemas.microsoft.com/office/drawing/2010/main" val="0"/>
+              </a:ext>
+            </a:extLst>
+          </a:blip>
+          <a:srcRect l="2143" r="2143"/>
           <a:stretch/>
         </p:blipFill>
         <p:spPr>
           <a:xfrm>
-            <a:off x="6589059" y="1408115"/>
-            <a:ext cx="5449718" cy="4041770"/>
+            <a:off x="5280623" y="1697226"/>
+            <a:ext cx="6767941" cy="5019427"/>
           </a:xfrm>
         </p:spPr>
       </p:pic>
@@ -5999,7 +6160,12 @@
             <p:ph type="body" sz="half" idx="2"/>
           </p:nvPr>
         </p:nvSpPr>
-        <p:spPr/>
+        <p:spPr>
+          <a:xfrm>
+            <a:off x="1" y="1371600"/>
+            <a:ext cx="4995582" cy="1828800"/>
+          </a:xfrm>
+        </p:spPr>
         <p:txBody>
           <a:bodyPr/>
           <a:lstStyle/>
@@ -6024,7 +6190,7 @@
 </p:sld>
 </file>
 
-<file path=ppt/slides/slide11.xml><?xml version="1.0" encoding="utf-8"?>
+<file path=ppt/slides/slide12.xml><?xml version="1.0" encoding="utf-8"?>
 <p:sld xmlns:a="http://schemas.openxmlformats.org/drawingml/2006/main" xmlns:r="http://schemas.openxmlformats.org/officeDocument/2006/relationships" xmlns:p="http://schemas.openxmlformats.org/presentationml/2006/main">
   <p:cSld>
     <p:spTree>
@@ -6157,7 +6323,12 @@
             <p:ph type="title"/>
           </p:nvPr>
         </p:nvSpPr>
-        <p:spPr/>
+        <p:spPr>
+          <a:xfrm>
+            <a:off x="238497" y="228600"/>
+            <a:ext cx="6164653" cy="1371600"/>
+          </a:xfrm>
+        </p:spPr>
         <p:txBody>
           <a:bodyPr/>
           <a:lstStyle/>
@@ -6192,8 +6363,8 @@
         </p:blipFill>
         <p:spPr>
           <a:xfrm>
-            <a:off x="7132775" y="1600200"/>
-            <a:ext cx="4820728" cy="3220571"/>
+            <a:off x="4400461" y="789709"/>
+            <a:ext cx="7501321" cy="5011388"/>
           </a:xfrm>
         </p:spPr>
       </p:pic>
@@ -6213,14 +6384,39 @@
             <p:ph type="body" sz="half" idx="2"/>
           </p:nvPr>
         </p:nvSpPr>
-        <p:spPr/>
-        <p:txBody>
-          <a:bodyPr/>
+        <p:spPr>
+          <a:xfrm>
+            <a:off x="238497" y="1718952"/>
+            <a:ext cx="4012869" cy="3203369"/>
+          </a:xfrm>
+        </p:spPr>
+        <p:txBody>
+          <a:bodyPr>
+            <a:normAutofit/>
+          </a:bodyPr>
           <a:lstStyle/>
           <a:p>
             <a:r>
               <a:rPr lang="en-US" dirty="0"/>
-              <a:t>A bunch of variables are declared at the start. First two vectors are defined to make storing robot positions easy. Then Variables for the camera location are initialized. Finally we have the variables for the robot joints and the Booleans for certain actions.</a:t>
+              <a:t>A bunch of variables are declared at the start. </a:t>
+            </a:r>
+          </a:p>
+          <a:p>
+            <a:r>
+              <a:rPr lang="en-US" dirty="0"/>
+              <a:t>First two vectors are defined to make storing robot positions easy. </a:t>
+            </a:r>
+          </a:p>
+          <a:p>
+            <a:r>
+              <a:rPr lang="en-US" dirty="0"/>
+              <a:t>Then Variables for the camera location are initialized. </a:t>
+            </a:r>
+          </a:p>
+          <a:p>
+            <a:r>
+              <a:rPr lang="en-US" dirty="0"/>
+              <a:t>Finally we have the variables for the robot joints and the Booleans for certain actions.</a:t>
             </a:r>
           </a:p>
         </p:txBody>
@@ -6271,7 +6467,12 @@
             <p:ph type="title"/>
           </p:nvPr>
         </p:nvSpPr>
-        <p:spPr/>
+        <p:spPr>
+          <a:xfrm>
+            <a:off x="251013" y="198912"/>
+            <a:ext cx="6164653" cy="1371600"/>
+          </a:xfrm>
+        </p:spPr>
         <p:txBody>
           <a:bodyPr/>
           <a:lstStyle/>
@@ -6306,8 +6507,8 @@
         </p:blipFill>
         <p:spPr>
           <a:xfrm>
-            <a:off x="7005918" y="396687"/>
-            <a:ext cx="4935069" cy="5814305"/>
+            <a:off x="5640255" y="198912"/>
+            <a:ext cx="5541229" cy="6528459"/>
           </a:xfrm>
         </p:spPr>
       </p:pic>
@@ -6327,7 +6528,12 @@
             <p:ph type="body" sz="half" idx="2"/>
           </p:nvPr>
         </p:nvSpPr>
-        <p:spPr/>
+        <p:spPr>
+          <a:xfrm>
+            <a:off x="251012" y="1600200"/>
+            <a:ext cx="4718811" cy="1828800"/>
+          </a:xfrm>
+        </p:spPr>
         <p:txBody>
           <a:bodyPr/>
           <a:lstStyle/>
@@ -6385,7 +6591,12 @@
             <p:ph type="title"/>
           </p:nvPr>
         </p:nvSpPr>
-        <p:spPr/>
+        <p:spPr>
+          <a:xfrm>
+            <a:off x="685800" y="442356"/>
+            <a:ext cx="6164653" cy="1371600"/>
+          </a:xfrm>
+        </p:spPr>
         <p:txBody>
           <a:bodyPr/>
           <a:lstStyle/>
@@ -6414,13 +6625,19 @@
           </p:nvPr>
         </p:nvPicPr>
         <p:blipFill rotWithShape="1">
-          <a:blip r:embed="rId2"/>
-          <a:srcRect l="-2" t="-501" r="108" b="251"/>
+          <a:blip r:embed="rId2">
+            <a:extLst>
+              <a:ext uri="{28A0092B-C50C-407E-A947-70E740481C1C}">
+                <a14:useLocalDpi xmlns:a14="http://schemas.microsoft.com/office/drawing/2010/main" val="0"/>
+              </a:ext>
+            </a:extLst>
+          </a:blip>
+          <a:srcRect t="947" b="947"/>
           <a:stretch/>
         </p:blipFill>
         <p:spPr>
           <a:xfrm>
-            <a:off x="7233694" y="2080932"/>
+            <a:off x="5214888" y="1813956"/>
             <a:ext cx="4727465" cy="2696135"/>
           </a:xfrm>
         </p:spPr>
@@ -6441,7 +6658,12 @@
             <p:ph type="body" sz="half" idx="2"/>
           </p:nvPr>
         </p:nvSpPr>
-        <p:spPr/>
+        <p:spPr>
+          <a:xfrm>
+            <a:off x="685799" y="1813956"/>
+            <a:ext cx="3458689" cy="1828800"/>
+          </a:xfrm>
+        </p:spPr>
         <p:txBody>
           <a:bodyPr/>
           <a:lstStyle/>
@@ -6517,7 +6739,7 @@
         </p:nvSpPr>
         <p:spPr>
           <a:xfrm>
-            <a:off x="685800" y="2971800"/>
+            <a:off x="394854" y="0"/>
             <a:ext cx="6164653" cy="1371600"/>
           </a:xfrm>
         </p:spPr>
@@ -6549,14 +6771,20 @@
           </p:nvPr>
         </p:nvPicPr>
         <p:blipFill rotWithShape="1">
-          <a:blip r:embed="rId2"/>
-          <a:srcRect l="66" r="-10"/>
+          <a:blip r:embed="rId2">
+            <a:extLst>
+              <a:ext uri="{28A0092B-C50C-407E-A947-70E740481C1C}">
+                <a14:useLocalDpi xmlns:a14="http://schemas.microsoft.com/office/drawing/2010/main" val="0"/>
+              </a:ext>
+            </a:extLst>
+          </a:blip>
+          <a:srcRect t="-138" b="37"/>
           <a:stretch/>
         </p:blipFill>
         <p:spPr>
           <a:xfrm>
-            <a:off x="1277251" y="278981"/>
-            <a:ext cx="4818749" cy="2306171"/>
+            <a:off x="2200646" y="2921330"/>
+            <a:ext cx="7790708" cy="3806041"/>
           </a:xfrm>
         </p:spPr>
       </p:pic>
@@ -6578,7 +6806,7 @@
         </p:nvSpPr>
         <p:spPr>
           <a:xfrm>
-            <a:off x="685800" y="4343400"/>
+            <a:off x="394853" y="1428183"/>
             <a:ext cx="6164653" cy="1828800"/>
           </a:xfrm>
         </p:spPr>
@@ -6596,17 +6824,113 @@
             </a:r>
             <a:r>
               <a:rPr lang="en-US" dirty="0"/>
-              <a:t> function controls positive joint increases as well as axis and solid/wire toggles. The special function controls negative joint increases as well as the fun stuff, such as Floating, Flailing, Randomizing robot locations, and resetting position.</a:t>
+              <a:t> function controls positive joint increases as well as axis and solid/wire toggles. </a:t>
+            </a:r>
+          </a:p>
+        </p:txBody>
+      </p:sp>
+    </p:spTree>
+    <p:extLst>
+      <p:ext uri="{BB962C8B-B14F-4D97-AF65-F5344CB8AC3E}">
+        <p14:creationId xmlns:p14="http://schemas.microsoft.com/office/powerpoint/2010/main" val="2007729745"/>
+      </p:ext>
+    </p:extLst>
+  </p:cSld>
+  <p:clrMapOvr>
+    <a:masterClrMapping/>
+  </p:clrMapOvr>
+</p:sld>
+</file>
+
+<file path=ppt/slides/slide6.xml><?xml version="1.0" encoding="utf-8"?>
+<p:sld xmlns:a="http://schemas.openxmlformats.org/drawingml/2006/main" xmlns:r="http://schemas.openxmlformats.org/officeDocument/2006/relationships" xmlns:p="http://schemas.openxmlformats.org/presentationml/2006/main">
+  <p:cSld>
+    <p:spTree>
+      <p:nvGrpSpPr>
+        <p:cNvPr id="1" name=""/>
+        <p:cNvGrpSpPr/>
+        <p:nvPr/>
+      </p:nvGrpSpPr>
+      <p:grpSpPr>
+        <a:xfrm>
+          <a:off x="0" y="0"/>
+          <a:ext cx="0" cy="0"/>
+          <a:chOff x="0" y="0"/>
+          <a:chExt cx="0" cy="0"/>
+        </a:xfrm>
+      </p:grpSpPr>
+      <p:sp>
+        <p:nvSpPr>
+          <p:cNvPr id="2" name="Title 1">
+            <a:extLst>
+              <a:ext uri="{FF2B5EF4-FFF2-40B4-BE49-F238E27FC236}">
+                <a16:creationId xmlns:a16="http://schemas.microsoft.com/office/drawing/2014/main" id="{53E5AD77-B4F3-4C82-B3CC-38137D6AA218}"/>
+              </a:ext>
+            </a:extLst>
+          </p:cNvPr>
+          <p:cNvSpPr>
+            <a:spLocks noGrp="1"/>
+          </p:cNvSpPr>
+          <p:nvPr>
+            <p:ph type="title"/>
+          </p:nvPr>
+        </p:nvSpPr>
+        <p:spPr>
+          <a:xfrm>
+            <a:off x="0" y="0"/>
+            <a:ext cx="6164653" cy="1371600"/>
+          </a:xfrm>
+        </p:spPr>
+        <p:txBody>
+          <a:bodyPr/>
+          <a:lstStyle/>
+          <a:p>
+            <a:r>
+              <a:rPr lang="en-US" dirty="0"/>
+              <a:t>Keys Special</a:t>
+            </a:r>
+          </a:p>
+        </p:txBody>
+      </p:sp>
+      <p:sp>
+        <p:nvSpPr>
+          <p:cNvPr id="4" name="Text Placeholder 3">
+            <a:extLst>
+              <a:ext uri="{FF2B5EF4-FFF2-40B4-BE49-F238E27FC236}">
+                <a16:creationId xmlns:a16="http://schemas.microsoft.com/office/drawing/2014/main" id="{F314F79B-D413-450F-B411-136E37C38788}"/>
+              </a:ext>
+            </a:extLst>
+          </p:cNvPr>
+          <p:cNvSpPr>
+            <a:spLocks noGrp="1"/>
+          </p:cNvSpPr>
+          <p:nvPr>
+            <p:ph type="body" sz="half" idx="2"/>
+          </p:nvPr>
+        </p:nvSpPr>
+        <p:spPr>
+          <a:xfrm>
+            <a:off x="0" y="1438835"/>
+            <a:ext cx="6164653" cy="1828800"/>
+          </a:xfrm>
+        </p:spPr>
+        <p:txBody>
+          <a:bodyPr/>
+          <a:lstStyle/>
+          <a:p>
+            <a:r>
+              <a:rPr lang="en-US" dirty="0"/>
+              <a:t>The special function controls negative joint increases as well as the fun stuff, such as Floating, Flailing, Randomizing robot locations, and resetting position.</a:t>
             </a:r>
           </a:p>
         </p:txBody>
       </p:sp>
       <p:pic>
         <p:nvPicPr>
-          <p:cNvPr id="7" name="Picture Placeholder 5">
+          <p:cNvPr id="6" name="Picture Placeholder 5">
             <a:extLst>
               <a:ext uri="{FF2B5EF4-FFF2-40B4-BE49-F238E27FC236}">
-                <a16:creationId xmlns:a16="http://schemas.microsoft.com/office/drawing/2014/main" id="{6CAFDBBC-4269-42E9-B1C4-CD6A5E5691C5}"/>
+                <a16:creationId xmlns:a16="http://schemas.microsoft.com/office/drawing/2014/main" id="{F46AB1E4-795B-4B2E-BEF7-3A2633523901}"/>
               </a:ext>
             </a:extLst>
           </p:cNvPr>
@@ -6616,20 +6940,20 @@
           <p:nvPr/>
         </p:nvPicPr>
         <p:blipFill rotWithShape="1">
-          <a:blip r:embed="rId3">
+          <a:blip r:embed="rId2">
             <a:extLst>
               <a:ext uri="{28A0092B-C50C-407E-A947-70E740481C1C}">
                 <a14:useLocalDpi xmlns:a14="http://schemas.microsoft.com/office/drawing/2010/main" val="0"/>
               </a:ext>
             </a:extLst>
           </a:blip>
-          <a:srcRect t="-309" b="354"/>
+          <a:srcRect t="-293" r="355"/>
           <a:stretch/>
         </p:blipFill>
         <p:spPr>
           <a:xfrm>
-            <a:off x="7138335" y="570015"/>
-            <a:ext cx="4818749" cy="5717969"/>
+            <a:off x="100151" y="2467741"/>
+            <a:ext cx="8113844" cy="4298577"/>
           </a:xfrm>
           <a:prstGeom prst="roundRect">
             <a:avLst>
@@ -6664,167 +6988,73 @@
           </a:effectLst>
         </p:spPr>
       </p:pic>
-    </p:spTree>
-    <p:extLst>
-      <p:ext uri="{BB962C8B-B14F-4D97-AF65-F5344CB8AC3E}">
-        <p14:creationId xmlns:p14="http://schemas.microsoft.com/office/powerpoint/2010/main" val="2007729745"/>
-      </p:ext>
-    </p:extLst>
-  </p:cSld>
-  <p:clrMapOvr>
-    <a:masterClrMapping/>
-  </p:clrMapOvr>
-</p:sld>
-</file>
-
-<file path=ppt/slides/slide6.xml><?xml version="1.0" encoding="utf-8"?>
-<p:sld xmlns:a="http://schemas.openxmlformats.org/drawingml/2006/main" xmlns:r="http://schemas.openxmlformats.org/officeDocument/2006/relationships" xmlns:p="http://schemas.openxmlformats.org/presentationml/2006/main">
-  <p:cSld>
-    <p:spTree>
-      <p:nvGrpSpPr>
-        <p:cNvPr id="1" name=""/>
-        <p:cNvGrpSpPr/>
-        <p:nvPr/>
-      </p:nvGrpSpPr>
-      <p:grpSpPr>
-        <a:xfrm>
-          <a:off x="0" y="0"/>
-          <a:ext cx="0" cy="0"/>
-          <a:chOff x="0" y="0"/>
-          <a:chExt cx="0" cy="0"/>
-        </a:xfrm>
-      </p:grpSpPr>
-      <p:sp>
-        <p:nvSpPr>
-          <p:cNvPr id="2" name="Title 1">
+      <p:pic>
+        <p:nvPicPr>
+          <p:cNvPr id="8" name="Picture Placeholder 5">
             <a:extLst>
               <a:ext uri="{FF2B5EF4-FFF2-40B4-BE49-F238E27FC236}">
-                <a16:creationId xmlns:a16="http://schemas.microsoft.com/office/drawing/2014/main" id="{4DC7CF7F-BF90-46F6-8F89-CC636CE2A3C8}"/>
-              </a:ext>
-            </a:extLst>
-          </p:cNvPr>
-          <p:cNvSpPr>
-            <a:spLocks noGrp="1"/>
-          </p:cNvSpPr>
-          <p:nvPr>
-            <p:ph type="title"/>
-          </p:nvPr>
-        </p:nvSpPr>
-        <p:spPr>
-          <a:xfrm>
-            <a:off x="685800" y="679077"/>
-            <a:ext cx="6164653" cy="1371600"/>
-          </a:xfrm>
-        </p:spPr>
-        <p:txBody>
-          <a:bodyPr/>
-          <a:lstStyle/>
-          <a:p>
-            <a:r>
-              <a:rPr lang="en-US" dirty="0"/>
-              <a:t>Display/Idle</a:t>
-            </a:r>
-          </a:p>
-        </p:txBody>
-      </p:sp>
-      <p:pic>
-        <p:nvPicPr>
-          <p:cNvPr id="6" name="Picture Placeholder 5">
-            <a:extLst>
-              <a:ext uri="{FF2B5EF4-FFF2-40B4-BE49-F238E27FC236}">
-                <a16:creationId xmlns:a16="http://schemas.microsoft.com/office/drawing/2014/main" id="{DC578A1A-9C12-42D0-95A7-D37AE85DF177}"/>
+                <a16:creationId xmlns:a16="http://schemas.microsoft.com/office/drawing/2014/main" id="{BE4600B1-CEAC-4CAF-A5CC-62BAA53FF324}"/>
               </a:ext>
             </a:extLst>
           </p:cNvPr>
           <p:cNvPicPr>
-            <a:picLocks noGrp="1" noChangeAspect="1"/>
+            <a:picLocks noChangeAspect="1"/>
           </p:cNvPicPr>
-          <p:nvPr>
-            <p:ph type="pic" idx="1"/>
-          </p:nvPr>
+          <p:nvPr/>
         </p:nvPicPr>
         <p:blipFill rotWithShape="1">
-          <a:blip r:embed="rId2"/>
-          <a:srcRect l="-205" t="-222" r="205" b="63"/>
+          <a:blip r:embed="rId3">
+            <a:extLst>
+              <a:ext uri="{28A0092B-C50C-407E-A947-70E740481C1C}">
+                <a14:useLocalDpi xmlns:a14="http://schemas.microsoft.com/office/drawing/2010/main" val="0"/>
+              </a:ext>
+            </a:extLst>
+          </a:blip>
+          <a:srcRect t="-128" b="337"/>
           <a:stretch/>
         </p:blipFill>
         <p:spPr>
           <a:xfrm>
-            <a:off x="8090518" y="75783"/>
-            <a:ext cx="3107913" cy="6706434"/>
-          </a:xfrm>
+            <a:off x="8319183" y="91681"/>
+            <a:ext cx="3772666" cy="6674637"/>
+          </a:xfrm>
+          <a:prstGeom prst="roundRect">
+            <a:avLst>
+              <a:gd name="adj" fmla="val 4280"/>
+            </a:avLst>
+          </a:prstGeom>
+          <a:ln w="50800" cap="sq" cmpd="dbl">
+            <a:gradFill flip="none" rotWithShape="1">
+              <a:gsLst>
+                <a:gs pos="0">
+                  <a:srgbClr val="FFFFFF"/>
+                </a:gs>
+                <a:gs pos="100000">
+                  <a:schemeClr val="tx1">
+                    <a:alpha val="0"/>
+                  </a:schemeClr>
+                </a:gs>
+              </a:gsLst>
+              <a:path path="circle">
+                <a:fillToRect l="50000" t="50000" r="50000" b="50000"/>
+              </a:path>
+              <a:tileRect/>
+            </a:gradFill>
+            <a:miter lim="800000"/>
+          </a:ln>
+          <a:effectLst>
+            <a:outerShdw blurRad="254000" algn="tl" rotWithShape="0">
+              <a:srgbClr val="000000">
+                <a:alpha val="43000"/>
+              </a:srgbClr>
+            </a:outerShdw>
+          </a:effectLst>
         </p:spPr>
       </p:pic>
-      <p:sp>
-        <p:nvSpPr>
-          <p:cNvPr id="4" name="Text Placeholder 3">
-            <a:extLst>
-              <a:ext uri="{FF2B5EF4-FFF2-40B4-BE49-F238E27FC236}">
-                <a16:creationId xmlns:a16="http://schemas.microsoft.com/office/drawing/2014/main" id="{6B9ECA2F-6D7A-456E-ABAD-5E5311CBD68F}"/>
-              </a:ext>
-            </a:extLst>
-          </p:cNvPr>
-          <p:cNvSpPr>
-            <a:spLocks noGrp="1"/>
-          </p:cNvSpPr>
-          <p:nvPr>
-            <p:ph type="body" sz="half" idx="2"/>
-          </p:nvPr>
-        </p:nvSpPr>
-        <p:spPr>
-          <a:xfrm>
-            <a:off x="685799" y="2050677"/>
-            <a:ext cx="6164653" cy="3987052"/>
-          </a:xfrm>
-        </p:spPr>
-        <p:txBody>
-          <a:bodyPr/>
-          <a:lstStyle/>
-          <a:p>
-            <a:r>
-              <a:rPr lang="en-US" dirty="0"/>
-              <a:t>The Idle function is just my display function since the robots should be constantly moving during the float and flail commands.</a:t>
-            </a:r>
-          </a:p>
-          <a:p>
-            <a:r>
-              <a:rPr lang="en-US" dirty="0"/>
-              <a:t>First is the nested ifs that make the floating work.</a:t>
-            </a:r>
-          </a:p>
-          <a:p>
-            <a:r>
-              <a:rPr lang="en-US" dirty="0"/>
-              <a:t>Second is the if that makes the flailing continuous.</a:t>
-            </a:r>
-          </a:p>
-          <a:p>
-            <a:r>
-              <a:rPr lang="en-US" dirty="0"/>
-              <a:t>Next I set the new camera position.</a:t>
-            </a:r>
-          </a:p>
-          <a:p>
-            <a:r>
-              <a:rPr lang="en-US" dirty="0"/>
-              <a:t>Fourth I draw axis if they are on and the red plane the robots stand on.</a:t>
-            </a:r>
-          </a:p>
-          <a:p>
-            <a:r>
-              <a:rPr lang="en-US" dirty="0"/>
-              <a:t>Finally I have a range based for draw the robots </a:t>
-            </a:r>
-          </a:p>
-          <a:p>
-            <a:endParaRPr lang="en-US" dirty="0"/>
-          </a:p>
-        </p:txBody>
-      </p:sp>
     </p:spTree>
     <p:extLst>
       <p:ext uri="{BB962C8B-B14F-4D97-AF65-F5344CB8AC3E}">
-        <p14:creationId xmlns:p14="http://schemas.microsoft.com/office/powerpoint/2010/main" val="2601678891"/>
+        <p14:creationId xmlns:p14="http://schemas.microsoft.com/office/powerpoint/2010/main" val="2182055157"/>
       </p:ext>
     </p:extLst>
   </p:cSld>
@@ -6856,7 +7086,7 @@
           <p:cNvPr id="2" name="Title 1">
             <a:extLst>
               <a:ext uri="{FF2B5EF4-FFF2-40B4-BE49-F238E27FC236}">
-                <a16:creationId xmlns:a16="http://schemas.microsoft.com/office/drawing/2014/main" id="{76E0CDED-3B2D-4C09-ABF3-330E861AB64E}"/>
+                <a16:creationId xmlns:a16="http://schemas.microsoft.com/office/drawing/2014/main" id="{4DC7CF7F-BF90-46F6-8F89-CC636CE2A3C8}"/>
               </a:ext>
             </a:extLst>
           </p:cNvPr>
@@ -6869,7 +7099,7 @@
         </p:nvSpPr>
         <p:spPr>
           <a:xfrm>
-            <a:off x="517711" y="1858488"/>
+            <a:off x="67236" y="25000"/>
             <a:ext cx="6164653" cy="1371600"/>
           </a:xfrm>
         </p:spPr>
@@ -6878,10 +7108,9 @@
           <a:lstStyle/>
           <a:p>
             <a:r>
-              <a:rPr lang="en-US" dirty="0" err="1"/>
-              <a:t>DrawRobot</a:t>
-            </a:r>
-            <a:endParaRPr lang="en-US" dirty="0"/>
+              <a:rPr lang="en-US" dirty="0"/>
+              <a:t>Display/Idle</a:t>
+            </a:r>
           </a:p>
         </p:txBody>
       </p:sp>
@@ -6890,7 +7119,7 @@
           <p:cNvPr id="6" name="Picture Placeholder 5">
             <a:extLst>
               <a:ext uri="{FF2B5EF4-FFF2-40B4-BE49-F238E27FC236}">
-                <a16:creationId xmlns:a16="http://schemas.microsoft.com/office/drawing/2014/main" id="{336E2AAC-6AD6-4DCB-BABD-DE026049CB50}"/>
+                <a16:creationId xmlns:a16="http://schemas.microsoft.com/office/drawing/2014/main" id="{DC578A1A-9C12-42D0-95A7-D37AE85DF177}"/>
               </a:ext>
             </a:extLst>
           </p:cNvPr>
@@ -6909,13 +7138,13 @@
               </a:ext>
             </a:extLst>
           </a:blip>
-          <a:srcRect l="-135" t="96" r="135" b="261"/>
+          <a:srcRect l="945" r="945"/>
           <a:stretch/>
         </p:blipFill>
         <p:spPr>
           <a:xfrm>
-            <a:off x="7556045" y="62644"/>
-            <a:ext cx="4118243" cy="6732712"/>
+            <a:off x="5163670" y="1792759"/>
+            <a:ext cx="3357294" cy="5000702"/>
           </a:xfrm>
         </p:spPr>
       </p:pic>
@@ -6924,7 +7153,7 @@
           <p:cNvPr id="4" name="Text Placeholder 3">
             <a:extLst>
               <a:ext uri="{FF2B5EF4-FFF2-40B4-BE49-F238E27FC236}">
-                <a16:creationId xmlns:a16="http://schemas.microsoft.com/office/drawing/2014/main" id="{8CC254FE-5A4C-426B-A064-598C391342B2}"/>
+                <a16:creationId xmlns:a16="http://schemas.microsoft.com/office/drawing/2014/main" id="{6B9ECA2F-6D7A-456E-ABAD-5E5311CBD68F}"/>
               </a:ext>
             </a:extLst>
           </p:cNvPr>
@@ -6937,8 +7166,8 @@
         </p:nvSpPr>
         <p:spPr>
           <a:xfrm>
-            <a:off x="517712" y="3230088"/>
-            <a:ext cx="6164653" cy="1828800"/>
+            <a:off x="67235" y="1396600"/>
+            <a:ext cx="4988859" cy="3987052"/>
           </a:xfrm>
         </p:spPr>
         <p:txBody>
@@ -6947,15 +7176,111 @@
           <a:p>
             <a:r>
               <a:rPr lang="en-US" dirty="0"/>
-              <a:t>The draw robot function draws the robot one limb at a time, making sure each joint links to where it should by pushing and popping matrices and translations.</a:t>
-            </a:r>
-          </a:p>
-        </p:txBody>
-      </p:sp>
+              <a:t>The Idle function is just my display function since the robots should be constantly moving during the float and flail commands.</a:t>
+            </a:r>
+          </a:p>
+          <a:p>
+            <a:r>
+              <a:rPr lang="en-US" dirty="0"/>
+              <a:t>First is the nested ifs that make the floating work.</a:t>
+            </a:r>
+          </a:p>
+          <a:p>
+            <a:r>
+              <a:rPr lang="en-US" dirty="0"/>
+              <a:t>Second is the if that makes the flailing continuous.</a:t>
+            </a:r>
+          </a:p>
+          <a:p>
+            <a:r>
+              <a:rPr lang="en-US" dirty="0"/>
+              <a:t>Next I set the new camera position.</a:t>
+            </a:r>
+          </a:p>
+          <a:p>
+            <a:r>
+              <a:rPr lang="en-US" dirty="0"/>
+              <a:t>Fourth I draw axis if they are on and the red plane the robots stand on.</a:t>
+            </a:r>
+          </a:p>
+          <a:p>
+            <a:r>
+              <a:rPr lang="en-US" dirty="0"/>
+              <a:t>Finally I have a range based for draw the robots </a:t>
+            </a:r>
+          </a:p>
+          <a:p>
+            <a:endParaRPr lang="en-US" dirty="0"/>
+          </a:p>
+        </p:txBody>
+      </p:sp>
+      <p:pic>
+        <p:nvPicPr>
+          <p:cNvPr id="5" name="Picture Placeholder 5">
+            <a:extLst>
+              <a:ext uri="{FF2B5EF4-FFF2-40B4-BE49-F238E27FC236}">
+                <a16:creationId xmlns:a16="http://schemas.microsoft.com/office/drawing/2014/main" id="{D4F28060-E39C-424A-B070-BE68D4599D97}"/>
+              </a:ext>
+            </a:extLst>
+          </p:cNvPr>
+          <p:cNvPicPr>
+            <a:picLocks noChangeAspect="1"/>
+          </p:cNvPicPr>
+          <p:nvPr/>
+        </p:nvPicPr>
+        <p:blipFill rotWithShape="1">
+          <a:blip r:embed="rId3">
+            <a:extLst>
+              <a:ext uri="{28A0092B-C50C-407E-A947-70E740481C1C}">
+                <a14:useLocalDpi xmlns:a14="http://schemas.microsoft.com/office/drawing/2010/main" val="0"/>
+              </a:ext>
+            </a:extLst>
+          </a:blip>
+          <a:srcRect t="2592" b="2592"/>
+          <a:stretch/>
+        </p:blipFill>
+        <p:spPr>
+          <a:xfrm>
+            <a:off x="7745592" y="165390"/>
+            <a:ext cx="4317018" cy="4561249"/>
+          </a:xfrm>
+          <a:prstGeom prst="roundRect">
+            <a:avLst>
+              <a:gd name="adj" fmla="val 4280"/>
+            </a:avLst>
+          </a:prstGeom>
+          <a:ln w="50800" cap="sq" cmpd="dbl">
+            <a:gradFill flip="none" rotWithShape="1">
+              <a:gsLst>
+                <a:gs pos="0">
+                  <a:srgbClr val="FFFFFF"/>
+                </a:gs>
+                <a:gs pos="100000">
+                  <a:schemeClr val="tx1">
+                    <a:alpha val="0"/>
+                  </a:schemeClr>
+                </a:gs>
+              </a:gsLst>
+              <a:path path="circle">
+                <a:fillToRect l="50000" t="50000" r="50000" b="50000"/>
+              </a:path>
+              <a:tileRect/>
+            </a:gradFill>
+            <a:miter lim="800000"/>
+          </a:ln>
+          <a:effectLst>
+            <a:outerShdw blurRad="254000" algn="tl" rotWithShape="0">
+              <a:srgbClr val="000000">
+                <a:alpha val="43000"/>
+              </a:srgbClr>
+            </a:outerShdw>
+          </a:effectLst>
+        </p:spPr>
+      </p:pic>
     </p:spTree>
     <p:extLst>
       <p:ext uri="{BB962C8B-B14F-4D97-AF65-F5344CB8AC3E}">
-        <p14:creationId xmlns:p14="http://schemas.microsoft.com/office/powerpoint/2010/main" val="2274551735"/>
+        <p14:creationId xmlns:p14="http://schemas.microsoft.com/office/powerpoint/2010/main" val="2601678891"/>
       </p:ext>
     </p:extLst>
   </p:cSld>
@@ -6987,7 +7312,7 @@
           <p:cNvPr id="2" name="Title 1">
             <a:extLst>
               <a:ext uri="{FF2B5EF4-FFF2-40B4-BE49-F238E27FC236}">
-                <a16:creationId xmlns:a16="http://schemas.microsoft.com/office/drawing/2014/main" id="{495DC7F9-1F6A-4F16-A46F-06481540581A}"/>
+                <a16:creationId xmlns:a16="http://schemas.microsoft.com/office/drawing/2014/main" id="{76E0CDED-3B2D-4C09-ABF3-330E861AB64E}"/>
               </a:ext>
             </a:extLst>
           </p:cNvPr>
@@ -6998,15 +7323,21 @@
             <p:ph type="title"/>
           </p:nvPr>
         </p:nvSpPr>
-        <p:spPr/>
+        <p:spPr>
+          <a:xfrm>
+            <a:off x="0" y="-428604"/>
+            <a:ext cx="6164653" cy="1371600"/>
+          </a:xfrm>
+        </p:spPr>
         <p:txBody>
           <a:bodyPr/>
           <a:lstStyle/>
           <a:p>
             <a:r>
-              <a:rPr lang="en-US" dirty="0"/>
-              <a:t>Extra Draw Functions</a:t>
-            </a:r>
+              <a:rPr lang="en-US" dirty="0" err="1"/>
+              <a:t>DrawRobot</a:t>
+            </a:r>
+            <a:endParaRPr lang="en-US" dirty="0"/>
           </a:p>
         </p:txBody>
       </p:sp>
@@ -7015,7 +7346,7 @@
           <p:cNvPr id="6" name="Picture Placeholder 5">
             <a:extLst>
               <a:ext uri="{FF2B5EF4-FFF2-40B4-BE49-F238E27FC236}">
-                <a16:creationId xmlns:a16="http://schemas.microsoft.com/office/drawing/2014/main" id="{C3671CB4-4D4D-4B9A-9403-626C58D380E5}"/>
+                <a16:creationId xmlns:a16="http://schemas.microsoft.com/office/drawing/2014/main" id="{336E2AAC-6AD6-4DCB-BABD-DE026049CB50}"/>
               </a:ext>
             </a:extLst>
           </p:cNvPr>
@@ -7027,14 +7358,20 @@
           </p:nvPr>
         </p:nvPicPr>
         <p:blipFill rotWithShape="1">
-          <a:blip r:embed="rId2"/>
-          <a:srcRect l="-52" r="426"/>
+          <a:blip r:embed="rId2">
+            <a:extLst>
+              <a:ext uri="{28A0092B-C50C-407E-A947-70E740481C1C}">
+                <a14:useLocalDpi xmlns:a14="http://schemas.microsoft.com/office/drawing/2010/main" val="0"/>
+              </a:ext>
+            </a:extLst>
+          </a:blip>
+          <a:srcRect t="758" b="758"/>
           <a:stretch/>
         </p:blipFill>
         <p:spPr>
           <a:xfrm>
-            <a:off x="6736976" y="685800"/>
-            <a:ext cx="5244353" cy="4572000"/>
+            <a:off x="995906" y="1921247"/>
+            <a:ext cx="6656896" cy="4843766"/>
           </a:xfrm>
         </p:spPr>
       </p:pic>
@@ -7043,7 +7380,7 @@
           <p:cNvPr id="4" name="Text Placeholder 3">
             <a:extLst>
               <a:ext uri="{FF2B5EF4-FFF2-40B4-BE49-F238E27FC236}">
-                <a16:creationId xmlns:a16="http://schemas.microsoft.com/office/drawing/2014/main" id="{15B30B5E-0DC1-4BF4-9269-2411E157696B}"/>
+                <a16:creationId xmlns:a16="http://schemas.microsoft.com/office/drawing/2014/main" id="{8CC254FE-5A4C-426B-A064-598C391342B2}"/>
               </a:ext>
             </a:extLst>
           </p:cNvPr>
@@ -7056,8 +7393,8 @@
         </p:nvSpPr>
         <p:spPr>
           <a:xfrm>
-            <a:off x="685800" y="2971800"/>
-            <a:ext cx="5923429" cy="1828800"/>
+            <a:off x="0" y="942996"/>
+            <a:ext cx="6164653" cy="1828800"/>
           </a:xfrm>
         </p:spPr>
         <p:txBody>
@@ -7066,29 +7403,78 @@
           <a:p>
             <a:r>
               <a:rPr lang="en-US" dirty="0"/>
-              <a:t>The </a:t>
-            </a:r>
-            <a:r>
-              <a:rPr lang="en-US" dirty="0" err="1"/>
-              <a:t>WireBox</a:t>
-            </a:r>
-            <a:r>
-              <a:rPr lang="en-US" dirty="0"/>
-              <a:t> function is used to draw wire/solid boxes for the robots</a:t>
-            </a:r>
-          </a:p>
-          <a:p>
-            <a:r>
-              <a:rPr lang="en-US" dirty="0"/>
-              <a:t>The draw axis function draws the axis…</a:t>
-            </a:r>
-          </a:p>
-        </p:txBody>
-      </p:sp>
+              <a:t>The draw robot function draws the robot one limb at a time, making sure each joint links to where it should by pushing and popping matrices and translations.</a:t>
+            </a:r>
+          </a:p>
+        </p:txBody>
+      </p:sp>
+      <p:pic>
+        <p:nvPicPr>
+          <p:cNvPr id="5" name="Picture Placeholder 5">
+            <a:extLst>
+              <a:ext uri="{FF2B5EF4-FFF2-40B4-BE49-F238E27FC236}">
+                <a16:creationId xmlns:a16="http://schemas.microsoft.com/office/drawing/2014/main" id="{3942FA79-0DEB-4891-BCDE-BD5541036092}"/>
+              </a:ext>
+            </a:extLst>
+          </p:cNvPr>
+          <p:cNvPicPr>
+            <a:picLocks noChangeAspect="1"/>
+          </p:cNvPicPr>
+          <p:nvPr/>
+        </p:nvPicPr>
+        <p:blipFill rotWithShape="1">
+          <a:blip r:embed="rId3">
+            <a:extLst>
+              <a:ext uri="{28A0092B-C50C-407E-A947-70E740481C1C}">
+                <a14:useLocalDpi xmlns:a14="http://schemas.microsoft.com/office/drawing/2010/main" val="0"/>
+              </a:ext>
+            </a:extLst>
+          </a:blip>
+          <a:srcRect l="-170" t="1" r="170" b="199"/>
+          <a:stretch/>
+        </p:blipFill>
+        <p:spPr>
+          <a:xfrm>
+            <a:off x="8332822" y="54377"/>
+            <a:ext cx="3387265" cy="6749246"/>
+          </a:xfrm>
+          <a:prstGeom prst="roundRect">
+            <a:avLst>
+              <a:gd name="adj" fmla="val 4280"/>
+            </a:avLst>
+          </a:prstGeom>
+          <a:ln w="50800" cap="sq" cmpd="dbl">
+            <a:gradFill flip="none" rotWithShape="1">
+              <a:gsLst>
+                <a:gs pos="0">
+                  <a:srgbClr val="FFFFFF"/>
+                </a:gs>
+                <a:gs pos="100000">
+                  <a:schemeClr val="tx1">
+                    <a:alpha val="0"/>
+                  </a:schemeClr>
+                </a:gs>
+              </a:gsLst>
+              <a:path path="circle">
+                <a:fillToRect l="50000" t="50000" r="50000" b="50000"/>
+              </a:path>
+              <a:tileRect/>
+            </a:gradFill>
+            <a:miter lim="800000"/>
+          </a:ln>
+          <a:effectLst>
+            <a:outerShdw blurRad="254000" algn="tl" rotWithShape="0">
+              <a:srgbClr val="000000">
+                <a:alpha val="43000"/>
+              </a:srgbClr>
+            </a:outerShdw>
+          </a:effectLst>
+        </p:spPr>
+      </p:pic>
     </p:spTree>
     <p:extLst>
       <p:ext uri="{BB962C8B-B14F-4D97-AF65-F5344CB8AC3E}">
-        <p14:creationId xmlns:p14="http://schemas.microsoft.com/office/powerpoint/2010/main" val="3972698372"/>
+        <p14:creationId xmlns:p14="http://schemas.microsoft.com/office/powerpoint/2010/main" val="2274551735"/>
       </p:ext>
     </p:extLst>
   </p:cSld>
@@ -7120,7 +7506,7 @@
           <p:cNvPr id="2" name="Title 1">
             <a:extLst>
               <a:ext uri="{FF2B5EF4-FFF2-40B4-BE49-F238E27FC236}">
-                <a16:creationId xmlns:a16="http://schemas.microsoft.com/office/drawing/2014/main" id="{B890F968-EEE2-4B0F-8172-0E32970AA49B}"/>
+                <a16:creationId xmlns:a16="http://schemas.microsoft.com/office/drawing/2014/main" id="{495DC7F9-1F6A-4F16-A46F-06481540581A}"/>
               </a:ext>
             </a:extLst>
           </p:cNvPr>
@@ -7131,16 +7517,20 @@
             <p:ph type="title"/>
           </p:nvPr>
         </p:nvSpPr>
-        <p:spPr/>
+        <p:spPr>
+          <a:xfrm>
+            <a:off x="0" y="0"/>
+            <a:ext cx="6164653" cy="1371600"/>
+          </a:xfrm>
+        </p:spPr>
         <p:txBody>
           <a:bodyPr/>
           <a:lstStyle/>
           <a:p>
             <a:r>
-              <a:rPr lang="en-US"/>
-              <a:t>Random Functions</a:t>
-            </a:r>
-            <a:endParaRPr lang="en-US" dirty="0"/>
+              <a:rPr lang="en-US" dirty="0"/>
+              <a:t>Extra Draw Functions</a:t>
+            </a:r>
           </a:p>
         </p:txBody>
       </p:sp>
@@ -7149,7 +7539,7 @@
           <p:cNvPr id="6" name="Picture Placeholder 5">
             <a:extLst>
               <a:ext uri="{FF2B5EF4-FFF2-40B4-BE49-F238E27FC236}">
-                <a16:creationId xmlns:a16="http://schemas.microsoft.com/office/drawing/2014/main" id="{6824471D-D93A-4E49-A1D1-82D64B3EC55B}"/>
+                <a16:creationId xmlns:a16="http://schemas.microsoft.com/office/drawing/2014/main" id="{C3671CB4-4D4D-4B9A-9403-626C58D380E5}"/>
               </a:ext>
             </a:extLst>
           </p:cNvPr>
@@ -7161,14 +7551,20 @@
           </p:nvPr>
         </p:nvPicPr>
         <p:blipFill rotWithShape="1">
-          <a:blip r:embed="rId2"/>
-          <a:srcRect l="125" t="-294" r="115" b="294"/>
+          <a:blip r:embed="rId2">
+            <a:extLst>
+              <a:ext uri="{28A0092B-C50C-407E-A947-70E740481C1C}">
+                <a14:useLocalDpi xmlns:a14="http://schemas.microsoft.com/office/drawing/2010/main" val="0"/>
+              </a:ext>
+            </a:extLst>
+          </a:blip>
+          <a:srcRect t="179" b="133"/>
           <a:stretch/>
         </p:blipFill>
         <p:spPr>
           <a:xfrm>
-            <a:off x="6229673" y="1600200"/>
-            <a:ext cx="5622978" cy="3240741"/>
+            <a:off x="5042646" y="197225"/>
+            <a:ext cx="6933343" cy="6466540"/>
           </a:xfrm>
         </p:spPr>
       </p:pic>
@@ -7177,7 +7573,7 @@
           <p:cNvPr id="4" name="Text Placeholder 3">
             <a:extLst>
               <a:ext uri="{FF2B5EF4-FFF2-40B4-BE49-F238E27FC236}">
-                <a16:creationId xmlns:a16="http://schemas.microsoft.com/office/drawing/2014/main" id="{A1F430F0-25C0-4EEF-BFF0-CDC7E7358EB2}"/>
+                <a16:creationId xmlns:a16="http://schemas.microsoft.com/office/drawing/2014/main" id="{15B30B5E-0DC1-4BF4-9269-2411E157696B}"/>
               </a:ext>
             </a:extLst>
           </p:cNvPr>
@@ -7190,8 +7586,8 @@
         </p:nvSpPr>
         <p:spPr>
           <a:xfrm>
-            <a:off x="685801" y="2971800"/>
-            <a:ext cx="5410200" cy="1828800"/>
+            <a:off x="1" y="1398494"/>
+            <a:ext cx="4834218" cy="1828800"/>
           </a:xfrm>
         </p:spPr>
         <p:txBody>
@@ -7204,17 +7600,17 @@
             </a:r>
             <a:r>
               <a:rPr lang="en-US" dirty="0" err="1"/>
-              <a:t>randnum</a:t>
+              <a:t>WireBox</a:t>
             </a:r>
             <a:r>
               <a:rPr lang="en-US" dirty="0"/>
-              <a:t> function generates a number between 1 and max. (Used in the flail action.)</a:t>
+              <a:t> function is used to draw wire/solid boxes for the robots</a:t>
             </a:r>
           </a:p>
           <a:p>
             <a:r>
               <a:rPr lang="en-US" dirty="0"/>
-              <a:t>The randomize function randomizes the positions of the robots.</a:t>
+              <a:t>The draw axis function draws the axis…</a:t>
             </a:r>
           </a:p>
         </p:txBody>
@@ -7222,7 +7618,7 @@
     </p:spTree>
     <p:extLst>
       <p:ext uri="{BB962C8B-B14F-4D97-AF65-F5344CB8AC3E}">
-        <p14:creationId xmlns:p14="http://schemas.microsoft.com/office/powerpoint/2010/main" val="262428463"/>
+        <p14:creationId xmlns:p14="http://schemas.microsoft.com/office/powerpoint/2010/main" val="3972698372"/>
       </p:ext>
     </p:extLst>
   </p:cSld>
